--- a/presentation/presentation4.pptx
+++ b/presentation/presentation4.pptx
@@ -9,14 +9,11 @@
     <p:sldId id="265" r:id="rId3"/>
     <p:sldId id="283" r:id="rId4"/>
     <p:sldId id="282" r:id="rId5"/>
-    <p:sldId id="274" r:id="rId6"/>
-    <p:sldId id="275" r:id="rId7"/>
-    <p:sldId id="276" r:id="rId8"/>
-    <p:sldId id="277" r:id="rId9"/>
-    <p:sldId id="280" r:id="rId10"/>
-    <p:sldId id="268" r:id="rId11"/>
-    <p:sldId id="278" r:id="rId12"/>
-    <p:sldId id="279" r:id="rId13"/>
+    <p:sldId id="280" r:id="rId6"/>
+    <p:sldId id="281" r:id="rId7"/>
+    <p:sldId id="285" r:id="rId8"/>
+    <p:sldId id="286" r:id="rId9"/>
+    <p:sldId id="279" r:id="rId10"/>
   </p:sldIdLst>
   <p:sldSz cx="9144000" cy="6858000" type="screen4x3"/>
   <p:notesSz cx="6858000" cy="9144000"/>
@@ -776,7 +773,7 @@
           <a:p>
             <a:fld id="{D0488438-6AD4-4766-9890-061290018957}" type="datetimeFigureOut">
               <a:rPr lang="en-SG" smtClean="0"/>
-              <a:t>12/11/2018</a:t>
+              <a:t>27/11/2018</a:t>
             </a:fld>
             <a:endParaRPr lang="en-SG"/>
           </a:p>
@@ -959,7 +956,7 @@
           <a:p>
             <a:fld id="{D0488438-6AD4-4766-9890-061290018957}" type="datetimeFigureOut">
               <a:rPr lang="en-SG" smtClean="0"/>
-              <a:t>12/11/2018</a:t>
+              <a:t>27/11/2018</a:t>
             </a:fld>
             <a:endParaRPr lang="en-SG"/>
           </a:p>
@@ -1134,7 +1131,7 @@
           <a:p>
             <a:fld id="{D0488438-6AD4-4766-9890-061290018957}" type="datetimeFigureOut">
               <a:rPr lang="en-SG" smtClean="0"/>
-              <a:t>12/11/2018</a:t>
+              <a:t>27/11/2018</a:t>
             </a:fld>
             <a:endParaRPr lang="en-SG"/>
           </a:p>
@@ -1299,7 +1296,7 @@
           <a:p>
             <a:fld id="{D0488438-6AD4-4766-9890-061290018957}" type="datetimeFigureOut">
               <a:rPr lang="en-SG" smtClean="0"/>
-              <a:t>12/11/2018</a:t>
+              <a:t>27/11/2018</a:t>
             </a:fld>
             <a:endParaRPr lang="en-SG"/>
           </a:p>
@@ -1520,7 +1517,7 @@
           <a:p>
             <a:fld id="{D0488438-6AD4-4766-9890-061290018957}" type="datetimeFigureOut">
               <a:rPr lang="en-SG" smtClean="0"/>
-              <a:t>12/11/2018</a:t>
+              <a:t>27/11/2018</a:t>
             </a:fld>
             <a:endParaRPr lang="en-SG"/>
           </a:p>
@@ -1779,7 +1776,7 @@
           <a:p>
             <a:fld id="{D0488438-6AD4-4766-9890-061290018957}" type="datetimeFigureOut">
               <a:rPr lang="en-SG" smtClean="0"/>
-              <a:t>12/11/2018</a:t>
+              <a:t>27/11/2018</a:t>
             </a:fld>
             <a:endParaRPr lang="en-SG"/>
           </a:p>
@@ -2183,7 +2180,7 @@
           <a:p>
             <a:fld id="{D0488438-6AD4-4766-9890-061290018957}" type="datetimeFigureOut">
               <a:rPr lang="en-SG" smtClean="0"/>
-              <a:t>12/11/2018</a:t>
+              <a:t>27/11/2018</a:t>
             </a:fld>
             <a:endParaRPr lang="en-SG"/>
           </a:p>
@@ -2314,7 +2311,7 @@
           <a:p>
             <a:fld id="{D0488438-6AD4-4766-9890-061290018957}" type="datetimeFigureOut">
               <a:rPr lang="en-SG" smtClean="0"/>
-              <a:t>12/11/2018</a:t>
+              <a:t>27/11/2018</a:t>
             </a:fld>
             <a:endParaRPr lang="en-SG"/>
           </a:p>
@@ -2414,7 +2411,7 @@
           <a:p>
             <a:fld id="{D0488438-6AD4-4766-9890-061290018957}" type="datetimeFigureOut">
               <a:rPr lang="en-SG" smtClean="0"/>
-              <a:t>12/11/2018</a:t>
+              <a:t>27/11/2018</a:t>
             </a:fld>
             <a:endParaRPr lang="en-SG"/>
           </a:p>
@@ -2659,7 +2656,7 @@
           <a:p>
             <a:fld id="{D0488438-6AD4-4766-9890-061290018957}" type="datetimeFigureOut">
               <a:rPr lang="en-SG" smtClean="0"/>
-              <a:t>12/11/2018</a:t>
+              <a:t>27/11/2018</a:t>
             </a:fld>
             <a:endParaRPr lang="en-SG"/>
           </a:p>
@@ -2903,7 +2900,7 @@
           <a:p>
             <a:fld id="{D0488438-6AD4-4766-9890-061290018957}" type="datetimeFigureOut">
               <a:rPr lang="en-SG" smtClean="0"/>
-              <a:t>12/11/2018</a:t>
+              <a:t>27/11/2018</a:t>
             </a:fld>
             <a:endParaRPr lang="en-SG"/>
           </a:p>
@@ -3727,7 +3724,7 @@
           <a:p>
             <a:fld id="{D0488438-6AD4-4766-9890-061290018957}" type="datetimeFigureOut">
               <a:rPr lang="en-SG" smtClean="0"/>
-              <a:t>12/11/2018</a:t>
+              <a:t>27/11/2018</a:t>
             </a:fld>
             <a:endParaRPr lang="en-SG"/>
           </a:p>
@@ -4214,345 +4211,6 @@
 </p:sld>
 </file>
 
-<file path=ppt/slides/slide10.xml><?xml version="1.0" encoding="utf-8"?>
-<p:sld xmlns:a="http://schemas.openxmlformats.org/drawingml/2006/main" xmlns:r="http://schemas.openxmlformats.org/officeDocument/2006/relationships" xmlns:p="http://schemas.openxmlformats.org/presentationml/2006/main">
-  <p:cSld>
-    <p:spTree>
-      <p:nvGrpSpPr>
-        <p:cNvPr id="1" name=""/>
-        <p:cNvGrpSpPr/>
-        <p:nvPr/>
-      </p:nvGrpSpPr>
-      <p:grpSpPr>
-        <a:xfrm>
-          <a:off x="0" y="0"/>
-          <a:ext cx="0" cy="0"/>
-          <a:chOff x="0" y="0"/>
-          <a:chExt cx="0" cy="0"/>
-        </a:xfrm>
-      </p:grpSpPr>
-      <p:sp>
-        <p:nvSpPr>
-          <p:cNvPr id="2" name="Title 1"/>
-          <p:cNvSpPr>
-            <a:spLocks noGrp="1"/>
-          </p:cNvSpPr>
-          <p:nvPr>
-            <p:ph type="title"/>
-          </p:nvPr>
-        </p:nvSpPr>
-        <p:spPr/>
-        <p:txBody>
-          <a:bodyPr/>
-          <a:lstStyle/>
-          <a:p>
-            <a:endParaRPr lang="en-SG" dirty="0"/>
-          </a:p>
-        </p:txBody>
-      </p:sp>
-      <p:sp>
-        <p:nvSpPr>
-          <p:cNvPr id="3" name="Content Placeholder 2"/>
-          <p:cNvSpPr>
-            <a:spLocks noGrp="1"/>
-          </p:cNvSpPr>
-          <p:nvPr>
-            <p:ph idx="1"/>
-          </p:nvPr>
-        </p:nvSpPr>
-        <p:spPr/>
-        <p:txBody>
-          <a:bodyPr/>
-          <a:lstStyle/>
-          <a:p>
-            <a:endParaRPr lang="en-SG"/>
-          </a:p>
-        </p:txBody>
-      </p:sp>
-      <p:pic>
-        <p:nvPicPr>
-          <p:cNvPr id="1026" name="Picture 2"/>
-          <p:cNvPicPr>
-            <a:picLocks noChangeAspect="1" noChangeArrowheads="1"/>
-          </p:cNvPicPr>
-          <p:nvPr/>
-        </p:nvPicPr>
-        <p:blipFill>
-          <a:blip r:embed="rId2">
-            <a:extLst>
-              <a:ext uri="{28A0092B-C50C-407E-A947-70E740481C1C}">
-                <a14:useLocalDpi xmlns:a14="http://schemas.microsoft.com/office/drawing/2010/main" val="0"/>
-              </a:ext>
-            </a:extLst>
-          </a:blip>
-          <a:srcRect/>
-          <a:stretch>
-            <a:fillRect/>
-          </a:stretch>
-        </p:blipFill>
-        <p:spPr bwMode="auto">
-          <a:xfrm>
-            <a:off x="866775" y="638175"/>
-            <a:ext cx="7410450" cy="5581650"/>
-          </a:xfrm>
-          <a:prstGeom prst="rect">
-            <a:avLst/>
-          </a:prstGeom>
-          <a:noFill/>
-          <a:ln>
-            <a:noFill/>
-          </a:ln>
-          <a:extLst>
-            <a:ext uri="{909E8E84-426E-40DD-AFC4-6F175D3DCCD1}">
-              <a14:hiddenFill xmlns:a14="http://schemas.microsoft.com/office/drawing/2010/main">
-                <a:solidFill>
-                  <a:schemeClr val="accent1"/>
-                </a:solidFill>
-              </a14:hiddenFill>
-            </a:ext>
-            <a:ext uri="{91240B29-F687-4F45-9708-019B960494DF}">
-              <a14:hiddenLine xmlns:a14="http://schemas.microsoft.com/office/drawing/2010/main" w="9525">
-                <a:solidFill>
-                  <a:schemeClr val="tx1"/>
-                </a:solidFill>
-                <a:miter lim="800000"/>
-                <a:headEnd/>
-                <a:tailEnd/>
-              </a14:hiddenLine>
-            </a:ext>
-          </a:extLst>
-        </p:spPr>
-      </p:pic>
-    </p:spTree>
-    <p:extLst>
-      <p:ext uri="{BB962C8B-B14F-4D97-AF65-F5344CB8AC3E}">
-        <p14:creationId xmlns:p14="http://schemas.microsoft.com/office/powerpoint/2010/main" val="459910734"/>
-      </p:ext>
-    </p:extLst>
-  </p:cSld>
-  <p:clrMapOvr>
-    <a:masterClrMapping/>
-  </p:clrMapOvr>
-  <p:timing>
-    <p:tnLst>
-      <p:par>
-        <p:cTn id="1" dur="indefinite" restart="never" nodeType="tmRoot"/>
-      </p:par>
-    </p:tnLst>
-  </p:timing>
-</p:sld>
-</file>
-
-<file path=ppt/slides/slide11.xml><?xml version="1.0" encoding="utf-8"?>
-<p:sld xmlns:a="http://schemas.openxmlformats.org/drawingml/2006/main" xmlns:r="http://schemas.openxmlformats.org/officeDocument/2006/relationships" xmlns:p="http://schemas.openxmlformats.org/presentationml/2006/main">
-  <p:cSld>
-    <p:spTree>
-      <p:nvGrpSpPr>
-        <p:cNvPr id="1" name=""/>
-        <p:cNvGrpSpPr/>
-        <p:nvPr/>
-      </p:nvGrpSpPr>
-      <p:grpSpPr>
-        <a:xfrm>
-          <a:off x="0" y="0"/>
-          <a:ext cx="0" cy="0"/>
-          <a:chOff x="0" y="0"/>
-          <a:chExt cx="0" cy="0"/>
-        </a:xfrm>
-      </p:grpSpPr>
-      <p:sp>
-        <p:nvSpPr>
-          <p:cNvPr id="2" name="Title 1"/>
-          <p:cNvSpPr>
-            <a:spLocks noGrp="1"/>
-          </p:cNvSpPr>
-          <p:nvPr>
-            <p:ph type="title"/>
-          </p:nvPr>
-        </p:nvSpPr>
-        <p:spPr/>
-        <p:txBody>
-          <a:bodyPr/>
-          <a:lstStyle/>
-          <a:p>
-            <a:r>
-              <a:rPr lang="en-US" dirty="0" smtClean="0"/>
-              <a:t>Current progress</a:t>
-            </a:r>
-            <a:endParaRPr lang="en-SG" dirty="0"/>
-          </a:p>
-        </p:txBody>
-      </p:sp>
-      <p:sp>
-        <p:nvSpPr>
-          <p:cNvPr id="3" name="Content Placeholder 2"/>
-          <p:cNvSpPr>
-            <a:spLocks noGrp="1"/>
-          </p:cNvSpPr>
-          <p:nvPr>
-            <p:ph idx="1"/>
-          </p:nvPr>
-        </p:nvSpPr>
-        <p:spPr/>
-        <p:txBody>
-          <a:bodyPr/>
-          <a:lstStyle/>
-          <a:p>
-            <a:r>
-              <a:rPr lang="en-US" dirty="0" smtClean="0"/>
-              <a:t>Implemented scripts to gather traffic data from </a:t>
-            </a:r>
-            <a:r>
-              <a:rPr lang="en-US" dirty="0" err="1" smtClean="0"/>
-              <a:t>tomtom</a:t>
-            </a:r>
-            <a:r>
-              <a:rPr lang="en-US" dirty="0" smtClean="0"/>
-              <a:t> traffic API.</a:t>
-            </a:r>
-          </a:p>
-          <a:p>
-            <a:r>
-              <a:rPr lang="en-US" dirty="0" smtClean="0"/>
-              <a:t>Implemented the genetic algorithms</a:t>
-            </a:r>
-          </a:p>
-          <a:p>
-            <a:r>
-              <a:rPr lang="en-US" dirty="0" smtClean="0"/>
-              <a:t>Obtained Traffic Simulation Framework which was used in researches … and …</a:t>
-            </a:r>
-          </a:p>
-          <a:p>
-            <a:r>
-              <a:rPr lang="en-US" dirty="0" smtClean="0"/>
-              <a:t>Parallelized the simulation requests to speed up computation</a:t>
-            </a:r>
-            <a:endParaRPr lang="en-SG" dirty="0"/>
-          </a:p>
-        </p:txBody>
-      </p:sp>
-    </p:spTree>
-    <p:extLst>
-      <p:ext uri="{BB962C8B-B14F-4D97-AF65-F5344CB8AC3E}">
-        <p14:creationId xmlns:p14="http://schemas.microsoft.com/office/powerpoint/2010/main" val="2780885890"/>
-      </p:ext>
-    </p:extLst>
-  </p:cSld>
-  <p:clrMapOvr>
-    <a:masterClrMapping/>
-  </p:clrMapOvr>
-</p:sld>
-</file>
-
-<file path=ppt/slides/slide12.xml><?xml version="1.0" encoding="utf-8"?>
-<p:sld xmlns:a="http://schemas.openxmlformats.org/drawingml/2006/main" xmlns:r="http://schemas.openxmlformats.org/officeDocument/2006/relationships" xmlns:p="http://schemas.openxmlformats.org/presentationml/2006/main">
-  <p:cSld>
-    <p:spTree>
-      <p:nvGrpSpPr>
-        <p:cNvPr id="1" name=""/>
-        <p:cNvGrpSpPr/>
-        <p:nvPr/>
-      </p:nvGrpSpPr>
-      <p:grpSpPr>
-        <a:xfrm>
-          <a:off x="0" y="0"/>
-          <a:ext cx="0" cy="0"/>
-          <a:chOff x="0" y="0"/>
-          <a:chExt cx="0" cy="0"/>
-        </a:xfrm>
-      </p:grpSpPr>
-      <p:sp>
-        <p:nvSpPr>
-          <p:cNvPr id="2" name="Title 1"/>
-          <p:cNvSpPr>
-            <a:spLocks noGrp="1"/>
-          </p:cNvSpPr>
-          <p:nvPr>
-            <p:ph type="title"/>
-          </p:nvPr>
-        </p:nvSpPr>
-        <p:spPr/>
-        <p:txBody>
-          <a:bodyPr/>
-          <a:lstStyle/>
-          <a:p>
-            <a:r>
-              <a:rPr lang="en-US" dirty="0" smtClean="0"/>
-              <a:t>Future work</a:t>
-            </a:r>
-            <a:endParaRPr lang="en-SG" dirty="0"/>
-          </a:p>
-        </p:txBody>
-      </p:sp>
-      <p:sp>
-        <p:nvSpPr>
-          <p:cNvPr id="3" name="Content Placeholder 2"/>
-          <p:cNvSpPr>
-            <a:spLocks noGrp="1"/>
-          </p:cNvSpPr>
-          <p:nvPr>
-            <p:ph idx="1"/>
-          </p:nvPr>
-        </p:nvSpPr>
-        <p:spPr/>
-        <p:txBody>
-          <a:bodyPr/>
-          <a:lstStyle/>
-          <a:p>
-            <a:r>
-              <a:rPr lang="en-US" dirty="0" smtClean="0"/>
-              <a:t>Implement a GUI to display the changing traffic conditions</a:t>
-            </a:r>
-          </a:p>
-          <a:p>
-            <a:r>
-              <a:rPr lang="en-US" dirty="0"/>
-              <a:t>Identify the degree by which traffic conditions vary </a:t>
-            </a:r>
-            <a:r>
-              <a:rPr lang="en-US" dirty="0" smtClean="0"/>
-              <a:t>to </a:t>
-            </a:r>
-            <a:r>
-              <a:rPr lang="en-US" dirty="0"/>
-              <a:t>replicate </a:t>
-            </a:r>
-            <a:r>
-              <a:rPr lang="en-US" dirty="0" smtClean="0"/>
-              <a:t>it in </a:t>
-            </a:r>
-            <a:r>
-              <a:rPr lang="en-US" dirty="0"/>
-              <a:t>the </a:t>
-            </a:r>
-            <a:r>
-              <a:rPr lang="en-US" dirty="0" smtClean="0"/>
-              <a:t>simulations</a:t>
-            </a:r>
-          </a:p>
-          <a:p>
-            <a:r>
-              <a:rPr lang="en-US" dirty="0"/>
-              <a:t>Alter the simulation based on traffic data, both for initialization and real time modifications.</a:t>
-            </a:r>
-            <a:endParaRPr lang="en-SG" dirty="0"/>
-          </a:p>
-        </p:txBody>
-      </p:sp>
-    </p:spTree>
-    <p:extLst>
-      <p:ext uri="{BB962C8B-B14F-4D97-AF65-F5344CB8AC3E}">
-        <p14:creationId xmlns:p14="http://schemas.microsoft.com/office/powerpoint/2010/main" val="3051848099"/>
-      </p:ext>
-    </p:extLst>
-  </p:cSld>
-  <p:clrMapOvr>
-    <a:masterClrMapping/>
-  </p:clrMapOvr>
-</p:sld>
-</file>
-
 <file path=ppt/slides/slide2.xml><?xml version="1.0" encoding="utf-8"?>
 <p:sld xmlns:a="http://schemas.openxmlformats.org/drawingml/2006/main" xmlns:r="http://schemas.openxmlformats.org/officeDocument/2006/relationships" xmlns:p="http://schemas.openxmlformats.org/presentationml/2006/main">
   <p:cSld>
@@ -4610,28 +4268,20 @@
           <a:p>
             <a:r>
               <a:rPr lang="en-US" dirty="0" smtClean="0"/>
-              <a:t>Introduction</a:t>
-            </a:r>
-          </a:p>
-          <a:p>
-            <a:r>
-              <a:rPr lang="en-US" dirty="0" smtClean="0"/>
-              <a:t>Literature review</a:t>
-            </a:r>
-          </a:p>
-          <a:p>
-            <a:r>
-              <a:rPr lang="en-US" dirty="0" smtClean="0"/>
-              <a:t>Proposed method</a:t>
-            </a:r>
-            <a:endParaRPr lang="en-US" dirty="0" smtClean="0"/>
+              <a:t>Recap</a:t>
+            </a:r>
           </a:p>
           <a:p>
             <a:r>
               <a:rPr lang="en-US" dirty="0" smtClean="0"/>
               <a:t>Current progress</a:t>
             </a:r>
-            <a:endParaRPr lang="en-US" dirty="0" smtClean="0"/>
+          </a:p>
+          <a:p>
+            <a:r>
+              <a:rPr lang="en-US" dirty="0" smtClean="0"/>
+              <a:t>Experimental results</a:t>
+            </a:r>
           </a:p>
           <a:p>
             <a:r>
@@ -4688,16 +4338,10 @@
           <a:lstStyle/>
           <a:p>
             <a:r>
-              <a:rPr lang="en-US" dirty="0" smtClean="0">
-                <a:latin typeface="Arial" panose="020B0604020202020204" pitchFamily="34" charset="0"/>
-                <a:cs typeface="Arial" panose="020B0604020202020204" pitchFamily="34" charset="0"/>
-              </a:rPr>
-              <a:t>Introduction</a:t>
-            </a:r>
-            <a:endParaRPr lang="en-SG" dirty="0">
-              <a:latin typeface="Arial" panose="020B0604020202020204" pitchFamily="34" charset="0"/>
-              <a:cs typeface="Arial" panose="020B0604020202020204" pitchFamily="34" charset="0"/>
-            </a:endParaRPr>
+              <a:rPr lang="en-US" dirty="0" smtClean="0"/>
+              <a:t>Recap</a:t>
+            </a:r>
+            <a:endParaRPr lang="en-SG" dirty="0"/>
           </a:p>
         </p:txBody>
       </p:sp>
@@ -4717,125 +4361,23 @@
           <a:lstStyle/>
           <a:p>
             <a:r>
-              <a:rPr lang="en-US" dirty="0" smtClean="0">
-                <a:latin typeface="Arial" panose="020B0604020202020204" pitchFamily="34" charset="0"/>
-                <a:cs typeface="Arial" panose="020B0604020202020204" pitchFamily="34" charset="0"/>
-              </a:rPr>
-              <a:t>Methods of traffic optimization:</a:t>
-            </a:r>
-          </a:p>
-          <a:p>
-            <a:pPr lvl="1"/>
-            <a:r>
-              <a:rPr lang="en-US" dirty="0" smtClean="0">
-                <a:solidFill>
-                  <a:schemeClr val="tx1"/>
-                </a:solidFill>
-                <a:latin typeface="Arial" panose="020B0604020202020204" pitchFamily="34" charset="0"/>
-                <a:cs typeface="Arial" panose="020B0604020202020204" pitchFamily="34" charset="0"/>
-              </a:rPr>
-              <a:t>Optimizing signal timings</a:t>
-            </a:r>
-          </a:p>
-          <a:p>
-            <a:pPr lvl="1"/>
-            <a:r>
-              <a:rPr lang="en-US" dirty="0" smtClean="0">
-                <a:solidFill>
-                  <a:schemeClr val="tx1"/>
-                </a:solidFill>
-                <a:latin typeface="Arial" panose="020B0604020202020204" pitchFamily="34" charset="0"/>
-                <a:cs typeface="Arial" panose="020B0604020202020204" pitchFamily="34" charset="0"/>
-              </a:rPr>
-              <a:t>Improving infrastructure</a:t>
-            </a:r>
-          </a:p>
-          <a:p>
-            <a:pPr lvl="1"/>
-            <a:r>
-              <a:rPr lang="en-US" dirty="0" smtClean="0">
-                <a:solidFill>
-                  <a:schemeClr val="tx1"/>
-                </a:solidFill>
-                <a:latin typeface="Arial" panose="020B0604020202020204" pitchFamily="34" charset="0"/>
-                <a:cs typeface="Arial" panose="020B0604020202020204" pitchFamily="34" charset="0"/>
-              </a:rPr>
-              <a:t>Guiding drivers to reduce congestion</a:t>
-            </a:r>
-          </a:p>
-          <a:p>
-            <a:r>
-              <a:rPr lang="en-US" dirty="0"/>
-              <a:t>Genetic algorithms can be used to optimize traffic very efficiently</a:t>
-            </a:r>
-            <a:r>
               <a:rPr lang="en-US" dirty="0" smtClean="0"/>
-              <a:t>.</a:t>
-            </a:r>
-            <a:endParaRPr lang="en-US" dirty="0" smtClean="0">
-              <a:latin typeface="Arial" panose="020B0604020202020204" pitchFamily="34" charset="0"/>
-              <a:cs typeface="Arial" panose="020B0604020202020204" pitchFamily="34" charset="0"/>
-            </a:endParaRPr>
-          </a:p>
-          <a:p>
-            <a:pPr lvl="1"/>
-            <a:endParaRPr lang="en-SG" dirty="0">
-              <a:latin typeface="Arial" panose="020B0604020202020204" pitchFamily="34" charset="0"/>
-              <a:cs typeface="Arial" panose="020B0604020202020204" pitchFamily="34" charset="0"/>
-            </a:endParaRPr>
-          </a:p>
-        </p:txBody>
-      </p:sp>
-      <p:sp>
-        <p:nvSpPr>
-          <p:cNvPr id="4" name="Slide Number Placeholder 3"/>
-          <p:cNvSpPr>
-            <a:spLocks noGrp="1"/>
-          </p:cNvSpPr>
-          <p:nvPr>
-            <p:ph type="sldNum" sz="quarter" idx="12"/>
-          </p:nvPr>
-        </p:nvSpPr>
-        <p:spPr/>
-        <p:txBody>
-          <a:bodyPr/>
-          <a:lstStyle/>
-          <a:p>
-            <a:fld id="{3B9D52F0-2446-4F3B-AEDD-338AB66FB125}" type="slidenum">
-              <a:rPr lang="en-SG" smtClean="0"/>
-              <a:t>3</a:t>
-            </a:fld>
-            <a:endParaRPr lang="en-SG"/>
-          </a:p>
-        </p:txBody>
-      </p:sp>
-      <p:sp>
-        <p:nvSpPr>
-          <p:cNvPr id="8" name="Date Placeholder 7"/>
-          <p:cNvSpPr>
-            <a:spLocks noGrp="1"/>
-          </p:cNvSpPr>
-          <p:nvPr>
-            <p:ph type="dt" sz="half" idx="10"/>
-          </p:nvPr>
-        </p:nvSpPr>
-        <p:spPr/>
-        <p:txBody>
-          <a:bodyPr/>
-          <a:lstStyle/>
-          <a:p>
-            <a:fld id="{70D13ECE-4DA1-49F1-8337-95D58368D861}" type="datetime1">
-              <a:rPr lang="en-SG" smtClean="0"/>
-              <a:t>12/11/2018</a:t>
-            </a:fld>
-            <a:endParaRPr lang="en-SG"/>
+              <a:t>Objective: Implement a genetic algorithm based system to optimize traffic over long periods of time.</a:t>
+            </a:r>
+          </a:p>
+          <a:p>
+            <a:r>
+              <a:rPr lang="en-US" dirty="0" smtClean="0"/>
+              <a:t>Methodology: Use a long term GA to optimize traffic over some period in the past, then use the solution provided as a base strategy to generate near optimal traffic signal timings for future recurring traffic congestions</a:t>
+            </a:r>
+            <a:endParaRPr lang="en-SG" dirty="0"/>
           </a:p>
         </p:txBody>
       </p:sp>
     </p:spTree>
     <p:extLst>
       <p:ext uri="{BB962C8B-B14F-4D97-AF65-F5344CB8AC3E}">
-        <p14:creationId xmlns:p14="http://schemas.microsoft.com/office/powerpoint/2010/main" val="1269671653"/>
+        <p14:creationId xmlns:p14="http://schemas.microsoft.com/office/powerpoint/2010/main" val="2959359110"/>
       </p:ext>
     </p:extLst>
   </p:cSld>
@@ -4879,7 +4421,7 @@
           <a:p>
             <a:r>
               <a:rPr lang="en-US" dirty="0" smtClean="0"/>
-              <a:t>Literature review</a:t>
+              <a:t>Current progress</a:t>
             </a:r>
             <a:endParaRPr lang="en-SG" dirty="0"/>
           </a:p>
@@ -4897,66 +4439,27 @@
         </p:nvSpPr>
         <p:spPr/>
         <p:txBody>
-          <a:bodyPr>
-            <a:noAutofit/>
-          </a:bodyPr>
-          <a:lstStyle/>
-          <a:p>
-            <a:r>
-              <a:rPr lang="en-US" sz="1800" dirty="0"/>
-              <a:t>[1] Chen, S.W., Yang, C.B., Peng, Y.H.: Algorithms for the Traffic Light Setting Problem on the Graph Model. In: Proc. of </a:t>
-            </a:r>
-            <a:r>
-              <a:rPr lang="en-US" sz="1800" i="1" dirty="0"/>
-              <a:t>the 12th Conference on Artificial Intelligence and Applications</a:t>
-            </a:r>
-            <a:r>
-              <a:rPr lang="en-US" sz="1800" dirty="0"/>
-              <a:t>, TAAI (2007)</a:t>
-            </a:r>
-          </a:p>
-          <a:p>
-            <a:r>
-              <a:rPr lang="en-US" sz="1800" dirty="0"/>
-              <a:t>[2] Gora P., “A genetic algorithm approach to optimization of vehicular traffic in cities by means of configuring traffic signals”, in “</a:t>
-            </a:r>
-            <a:r>
-              <a:rPr lang="en-US" sz="1800" i="1" dirty="0"/>
-              <a:t>Emergent Intelligent Technologies in the Industry</a:t>
-            </a:r>
-            <a:r>
-              <a:rPr lang="en-US" sz="1800" dirty="0"/>
-              <a:t>”, 2011, pp. 1-10, ISBN: 978-3-642-22731-8.</a:t>
-            </a:r>
-            <a:endParaRPr lang="en-SG" sz="1800" dirty="0"/>
-          </a:p>
-          <a:p>
-            <a:r>
-              <a:rPr lang="en-US" sz="1800" dirty="0"/>
-              <a:t>[3] P. Gora and P. W. </a:t>
-            </a:r>
-            <a:r>
-              <a:rPr lang="en-US" sz="1800" dirty="0" err="1"/>
-              <a:t>Pardel</a:t>
-            </a:r>
-            <a:r>
-              <a:rPr lang="en-US" sz="1800" dirty="0"/>
-              <a:t>, "Application of Genetic Algorithms and High-Performance Computing to the Traffic Signal Setting Problem", 2015.</a:t>
-            </a:r>
-            <a:endParaRPr lang="en-SG" sz="1800" dirty="0"/>
-          </a:p>
-          <a:p>
-            <a:endParaRPr lang="en-SG" sz="1800" dirty="0"/>
-          </a:p>
-          <a:p>
-            <a:endParaRPr lang="en-SG" sz="1800" dirty="0"/>
+          <a:bodyPr/>
+          <a:lstStyle/>
+          <a:p>
+            <a:r>
+              <a:rPr lang="en-US" dirty="0" smtClean="0"/>
+              <a:t>Finished implementing the build to test our hypothesis</a:t>
+            </a:r>
+          </a:p>
+          <a:p>
+            <a:r>
+              <a:rPr lang="en-US" dirty="0" smtClean="0"/>
+              <a:t>Conducted preliminary experiments to create a baseline for further experiments</a:t>
+            </a:r>
+            <a:endParaRPr lang="en-SG" dirty="0"/>
           </a:p>
         </p:txBody>
       </p:sp>
     </p:spTree>
     <p:extLst>
       <p:ext uri="{BB962C8B-B14F-4D97-AF65-F5344CB8AC3E}">
-        <p14:creationId xmlns:p14="http://schemas.microsoft.com/office/powerpoint/2010/main" val="2623292880"/>
+        <p14:creationId xmlns:p14="http://schemas.microsoft.com/office/powerpoint/2010/main" val="159317207"/>
       </p:ext>
     </p:extLst>
   </p:cSld>
@@ -5000,7 +4503,7 @@
           <a:p>
             <a:r>
               <a:rPr lang="en-US" dirty="0" smtClean="0"/>
-              <a:t>Literature review</a:t>
+              <a:t>Experiment results</a:t>
             </a:r>
             <a:endParaRPr lang="en-SG" dirty="0"/>
           </a:p>
@@ -5023,22 +4526,82 @@
           <a:p>
             <a:r>
               <a:rPr lang="en-US" dirty="0" smtClean="0"/>
-              <a:t>Research [1] tested the performance of different algorithms on traffic optimization. The results showed that genetic algorithms give best results when optimizing traffic.</a:t>
+              <a:t>Experimented ability of long term genetic algorithm to optimize traffic. Excluded testing of short term genetic algorithm</a:t>
             </a:r>
           </a:p>
           <a:p>
             <a:r>
               <a:rPr lang="en-US" dirty="0" smtClean="0"/>
-              <a:t>Based on our discussions with a field expert (Pawel Gora), genetic algorithms are the best way of optimizing traffic.</a:t>
-            </a:r>
-            <a:endParaRPr lang="en-SG" dirty="0"/>
+              <a:t>Parameters for experiment 1:</a:t>
+            </a:r>
+            <a:endParaRPr lang="en-US" dirty="0" smtClean="0"/>
+          </a:p>
+          <a:p>
+            <a:pPr lvl="1"/>
+            <a:r>
+              <a:rPr lang="en-US" dirty="0" smtClean="0">
+                <a:solidFill>
+                  <a:schemeClr val="tx1"/>
+                </a:solidFill>
+              </a:rPr>
+              <a:t>Simulation time: 20 min</a:t>
+            </a:r>
+          </a:p>
+          <a:p>
+            <a:pPr lvl="1"/>
+            <a:r>
+              <a:rPr lang="en-US" dirty="0" smtClean="0">
+                <a:solidFill>
+                  <a:schemeClr val="tx1"/>
+                </a:solidFill>
+              </a:rPr>
+              <a:t>Time steps: 10</a:t>
+            </a:r>
+          </a:p>
+          <a:p>
+            <a:pPr lvl="1"/>
+            <a:r>
+              <a:rPr lang="en-US" dirty="0" smtClean="0">
+                <a:solidFill>
+                  <a:schemeClr val="tx1"/>
+                </a:solidFill>
+              </a:rPr>
+              <a:t>Number of generations: 10</a:t>
+            </a:r>
+          </a:p>
+          <a:p>
+            <a:pPr lvl="1"/>
+            <a:r>
+              <a:rPr lang="en-US" dirty="0" smtClean="0">
+                <a:solidFill>
+                  <a:schemeClr val="tx1"/>
+                </a:solidFill>
+              </a:rPr>
+              <a:t>Individuals per generation: 20</a:t>
+            </a:r>
+          </a:p>
+          <a:p>
+            <a:pPr lvl="1"/>
+            <a:r>
+              <a:rPr lang="en-US" dirty="0" smtClean="0">
+                <a:solidFill>
+                  <a:schemeClr val="tx1"/>
+                </a:solidFill>
+              </a:rPr>
+              <a:t>Number of crossroads: 21</a:t>
+            </a:r>
+            <a:endParaRPr lang="en-SG" dirty="0">
+              <a:solidFill>
+                <a:schemeClr val="tx1"/>
+              </a:solidFill>
+            </a:endParaRPr>
           </a:p>
         </p:txBody>
       </p:sp>
     </p:spTree>
     <p:extLst>
       <p:ext uri="{BB962C8B-B14F-4D97-AF65-F5344CB8AC3E}">
-        <p14:creationId xmlns:p14="http://schemas.microsoft.com/office/powerpoint/2010/main" val="252606563"/>
+        <p14:creationId xmlns:p14="http://schemas.microsoft.com/office/powerpoint/2010/main" val="3249202787"/>
       </p:ext>
     </p:extLst>
   </p:cSld>
@@ -5082,7 +4645,7 @@
           <a:p>
             <a:r>
               <a:rPr lang="en-US" dirty="0" smtClean="0"/>
-              <a:t>Literature review</a:t>
+              <a:t>Experiment results</a:t>
             </a:r>
             <a:endParaRPr lang="en-SG" dirty="0"/>
           </a:p>
@@ -5105,13 +4668,35 @@
           <a:p>
             <a:r>
               <a:rPr lang="en-US" dirty="0" smtClean="0"/>
-              <a:t>In research [2] genetic algorithm with 9 generations was used to optimize traffic signals over a period of 10 min</a:t>
+              <a:t>Improvement measured based on percentage decrease in minimum fitness.</a:t>
             </a:r>
           </a:p>
           <a:p>
             <a:r>
               <a:rPr lang="en-US" dirty="0" smtClean="0"/>
-              <a:t>In research [3] genetic algorithm with 50 generations was used to optimize traffic signals in Warsaw over a period of 10 min</a:t>
+              <a:t>Overall improvement in fitness for </a:t>
+            </a:r>
+            <a:r>
+              <a:rPr lang="en-US" dirty="0" smtClean="0"/>
+              <a:t>experiment 1 </a:t>
+            </a:r>
+            <a:r>
+              <a:rPr lang="en-US" dirty="0" smtClean="0"/>
+              <a:t>was 8.3%.</a:t>
+            </a:r>
+          </a:p>
+          <a:p>
+            <a:r>
+              <a:rPr lang="en-US" dirty="0" smtClean="0"/>
+              <a:t>However, the improvement only occurred until 3</a:t>
+            </a:r>
+            <a:r>
+              <a:rPr lang="en-US" baseline="30000" dirty="0" smtClean="0"/>
+              <a:t>rd</a:t>
+            </a:r>
+            <a:r>
+              <a:rPr lang="en-US" dirty="0" smtClean="0"/>
+              <a:t> population, after which the fitness didn’t change at all.</a:t>
             </a:r>
             <a:endParaRPr lang="en-SG" dirty="0"/>
           </a:p>
@@ -5120,7 +4705,7 @@
     </p:spTree>
     <p:extLst>
       <p:ext uri="{BB962C8B-B14F-4D97-AF65-F5344CB8AC3E}">
-        <p14:creationId xmlns:p14="http://schemas.microsoft.com/office/powerpoint/2010/main" val="2768246756"/>
+        <p14:creationId xmlns:p14="http://schemas.microsoft.com/office/powerpoint/2010/main" val="3487442749"/>
       </p:ext>
     </p:extLst>
   </p:cSld>
@@ -5164,7 +4749,7 @@
           <a:p>
             <a:r>
               <a:rPr lang="en-US" dirty="0" smtClean="0"/>
-              <a:t>Proposed method</a:t>
+              <a:t>Experimental results</a:t>
             </a:r>
             <a:endParaRPr lang="en-SG" dirty="0"/>
           </a:p>
@@ -5186,163 +4771,129 @@
           <a:lstStyle/>
           <a:p>
             <a:r>
+              <a:rPr lang="en-US" dirty="0"/>
+              <a:t>Parameters for experiment </a:t>
+            </a:r>
+            <a:r>
               <a:rPr lang="en-US" dirty="0" smtClean="0"/>
-              <a:t>Optimize the </a:t>
-            </a:r>
-            <a:r>
-              <a:rPr lang="en-US" b="1" dirty="0" smtClean="0"/>
-              <a:t>sequence of traffic signals</a:t>
-            </a:r>
-            <a:r>
-              <a:rPr lang="en-US" dirty="0" smtClean="0"/>
-              <a:t> over a long period of time</a:t>
-            </a:r>
+              <a:t>2:</a:t>
+            </a:r>
+            <a:endParaRPr lang="en-US" dirty="0"/>
+          </a:p>
+          <a:p>
+            <a:pPr lvl="1"/>
+            <a:r>
+              <a:rPr lang="en-US" dirty="0">
+                <a:solidFill>
+                  <a:schemeClr val="tx1"/>
+                </a:solidFill>
+              </a:rPr>
+              <a:t>Simulation time: 20 min</a:t>
+            </a:r>
+          </a:p>
+          <a:p>
+            <a:pPr lvl="1"/>
+            <a:r>
+              <a:rPr lang="en-US" dirty="0">
+                <a:solidFill>
+                  <a:schemeClr val="tx1"/>
+                </a:solidFill>
+              </a:rPr>
+              <a:t>Time steps: 10</a:t>
+            </a:r>
+          </a:p>
+          <a:p>
+            <a:pPr lvl="1"/>
+            <a:r>
+              <a:rPr lang="en-US" dirty="0">
+                <a:solidFill>
+                  <a:schemeClr val="tx1"/>
+                </a:solidFill>
+              </a:rPr>
+              <a:t>Number of generations: </a:t>
+            </a:r>
+            <a:r>
+              <a:rPr lang="en-US" dirty="0" smtClean="0">
+                <a:solidFill>
+                  <a:schemeClr val="tx1"/>
+                </a:solidFill>
+              </a:rPr>
+              <a:t>5</a:t>
+            </a:r>
+            <a:endParaRPr lang="en-US" dirty="0">
+              <a:solidFill>
+                <a:schemeClr val="tx1"/>
+              </a:solidFill>
+            </a:endParaRPr>
+          </a:p>
+          <a:p>
+            <a:pPr lvl="1"/>
+            <a:r>
+              <a:rPr lang="en-US" dirty="0">
+                <a:solidFill>
+                  <a:schemeClr val="tx1"/>
+                </a:solidFill>
+              </a:rPr>
+              <a:t>Individuals per generation: </a:t>
+            </a:r>
+            <a:r>
+              <a:rPr lang="en-US" dirty="0" smtClean="0">
+                <a:solidFill>
+                  <a:schemeClr val="tx1"/>
+                </a:solidFill>
+              </a:rPr>
+              <a:t>40</a:t>
+            </a:r>
+            <a:endParaRPr lang="en-US" dirty="0">
+              <a:solidFill>
+                <a:schemeClr val="tx1"/>
+              </a:solidFill>
+            </a:endParaRPr>
+          </a:p>
+          <a:p>
+            <a:pPr lvl="1"/>
+            <a:r>
+              <a:rPr lang="en-US" dirty="0">
+                <a:solidFill>
+                  <a:schemeClr val="tx1"/>
+                </a:solidFill>
+              </a:rPr>
+              <a:t>Number of crossroads: </a:t>
+            </a:r>
+            <a:r>
+              <a:rPr lang="en-US" dirty="0" smtClean="0">
+                <a:solidFill>
+                  <a:schemeClr val="tx1"/>
+                </a:solidFill>
+              </a:rPr>
+              <a:t>21</a:t>
+            </a:r>
+          </a:p>
+          <a:p>
+            <a:pPr lvl="1"/>
+            <a:r>
+              <a:rPr lang="en-US" dirty="0" smtClean="0">
+                <a:solidFill>
+                  <a:schemeClr val="tx1"/>
+                </a:solidFill>
+              </a:rPr>
+              <a:t>Mutation rate: 0.1 instead of 0.05</a:t>
+            </a:r>
+            <a:endParaRPr lang="en-SG" dirty="0">
+              <a:solidFill>
+                <a:schemeClr val="tx1"/>
+              </a:solidFill>
+            </a:endParaRPr>
+          </a:p>
+          <a:p>
             <a:endParaRPr lang="en-SG" dirty="0"/>
-          </a:p>
-        </p:txBody>
-      </p:sp>
-      <p:pic>
-        <p:nvPicPr>
-          <p:cNvPr id="4" name="Picture 3"/>
-          <p:cNvPicPr/>
-          <p:nvPr/>
-        </p:nvPicPr>
-        <p:blipFill>
-          <a:blip r:embed="rId2" cstate="print">
-            <a:extLst>
-              <a:ext uri="{28A0092B-C50C-407E-A947-70E740481C1C}">
-                <a14:useLocalDpi xmlns:a14="http://schemas.microsoft.com/office/drawing/2010/main" val="0"/>
-              </a:ext>
-            </a:extLst>
-          </a:blip>
-          <a:srcRect/>
-          <a:stretch>
-            <a:fillRect/>
-          </a:stretch>
-        </p:blipFill>
-        <p:spPr bwMode="auto">
-          <a:xfrm>
-            <a:off x="609600" y="4124865"/>
-            <a:ext cx="4191000" cy="1277620"/>
-          </a:xfrm>
-          <a:prstGeom prst="rect">
-            <a:avLst/>
-          </a:prstGeom>
-          <a:noFill/>
-          <a:ln>
-            <a:noFill/>
-          </a:ln>
-        </p:spPr>
-      </p:pic>
-      <p:pic>
-        <p:nvPicPr>
-          <p:cNvPr id="5" name="Picture 4"/>
-          <p:cNvPicPr/>
-          <p:nvPr/>
-        </p:nvPicPr>
-        <p:blipFill>
-          <a:blip r:embed="rId3">
-            <a:extLst>
-              <a:ext uri="{28A0092B-C50C-407E-A947-70E740481C1C}">
-                <a14:useLocalDpi xmlns:a14="http://schemas.microsoft.com/office/drawing/2010/main" val="0"/>
-              </a:ext>
-            </a:extLst>
-          </a:blip>
-          <a:srcRect/>
-          <a:stretch>
-            <a:fillRect/>
-          </a:stretch>
-        </p:blipFill>
-        <p:spPr bwMode="auto">
-          <a:xfrm>
-            <a:off x="5791200" y="4153572"/>
-            <a:ext cx="2877185" cy="1117600"/>
-          </a:xfrm>
-          <a:prstGeom prst="rect">
-            <a:avLst/>
-          </a:prstGeom>
-          <a:noFill/>
-          <a:ln>
-            <a:noFill/>
-          </a:ln>
-        </p:spPr>
-      </p:pic>
-      <p:sp>
-        <p:nvSpPr>
-          <p:cNvPr id="6" name="TextBox 5"/>
-          <p:cNvSpPr txBox="1"/>
-          <p:nvPr/>
-        </p:nvSpPr>
-        <p:spPr>
-          <a:xfrm>
-            <a:off x="609600" y="5399025"/>
-            <a:ext cx="3669594" cy="523220"/>
-          </a:xfrm>
-          <a:prstGeom prst="rect">
-            <a:avLst/>
-          </a:prstGeom>
-          <a:noFill/>
-        </p:spPr>
-        <p:txBody>
-          <a:bodyPr wrap="none" rtlCol="0">
-            <a:spAutoFit/>
-          </a:bodyPr>
-          <a:lstStyle/>
-          <a:p>
-            <a:r>
-              <a:rPr lang="en-US" sz="1400" i="1" dirty="0" smtClean="0"/>
-              <a:t>Figure 1: sequence of timings for a 3</a:t>
-            </a:r>
-          </a:p>
-          <a:p>
-            <a:r>
-              <a:rPr lang="en-US" sz="1400" i="1" dirty="0" smtClean="0"/>
-              <a:t>crossroad network in our proposed method</a:t>
-            </a:r>
-            <a:endParaRPr lang="en-SG" sz="1400" i="1" dirty="0"/>
-          </a:p>
-        </p:txBody>
-      </p:sp>
-      <p:sp>
-        <p:nvSpPr>
-          <p:cNvPr id="7" name="TextBox 6"/>
-          <p:cNvSpPr txBox="1"/>
-          <p:nvPr/>
-        </p:nvSpPr>
-        <p:spPr>
-          <a:xfrm>
-            <a:off x="5730022" y="5399025"/>
-            <a:ext cx="2999539" cy="523220"/>
-          </a:xfrm>
-          <a:prstGeom prst="rect">
-            <a:avLst/>
-          </a:prstGeom>
-          <a:noFill/>
-        </p:spPr>
-        <p:txBody>
-          <a:bodyPr wrap="none" rtlCol="0">
-            <a:spAutoFit/>
-          </a:bodyPr>
-          <a:lstStyle/>
-          <a:p>
-            <a:r>
-              <a:rPr lang="en-US" sz="1400" i="1" dirty="0" smtClean="0"/>
-              <a:t>Figure 2: timings for a 3 crossroad</a:t>
-            </a:r>
-          </a:p>
-          <a:p>
-            <a:r>
-              <a:rPr lang="en-US" sz="1400" i="1" dirty="0" smtClean="0"/>
-              <a:t>network in prior research</a:t>
-            </a:r>
-            <a:endParaRPr lang="en-SG" sz="1400" i="1" dirty="0"/>
           </a:p>
         </p:txBody>
       </p:sp>
     </p:spTree>
     <p:extLst>
       <p:ext uri="{BB962C8B-B14F-4D97-AF65-F5344CB8AC3E}">
-        <p14:creationId xmlns:p14="http://schemas.microsoft.com/office/powerpoint/2010/main" val="1872061392"/>
+        <p14:creationId xmlns:p14="http://schemas.microsoft.com/office/powerpoint/2010/main" val="1927713864"/>
       </p:ext>
     </p:extLst>
   </p:cSld>
@@ -5386,7 +4937,7 @@
           <a:p>
             <a:r>
               <a:rPr lang="en-US" dirty="0" smtClean="0"/>
-              <a:t>Proposed method</a:t>
+              <a:t>Experimental results</a:t>
             </a:r>
             <a:endParaRPr lang="en-SG" dirty="0"/>
           </a:p>
@@ -5404,28 +4955,27 @@
         </p:nvSpPr>
         <p:spPr/>
         <p:txBody>
-          <a:bodyPr>
-            <a:normAutofit/>
-          </a:bodyPr>
+          <a:bodyPr/>
           <a:lstStyle/>
           <a:p>
             <a:r>
               <a:rPr lang="en-US" dirty="0" smtClean="0"/>
-              <a:t>The problem with the proposal is the high computational complexity of numerous repeated simulations.</a:t>
+              <a:t>Experiment 2 showed slower but more consistent convergence</a:t>
             </a:r>
           </a:p>
           <a:p>
             <a:r>
               <a:rPr lang="en-US" dirty="0" smtClean="0"/>
-              <a:t>Due to this issue, prior research has yielded limited results.</a:t>
-            </a:r>
+              <a:t>Improvement for experiment 2 was 7.6%</a:t>
+            </a:r>
+            <a:endParaRPr lang="en-SG" dirty="0"/>
           </a:p>
         </p:txBody>
       </p:sp>
     </p:spTree>
     <p:extLst>
       <p:ext uri="{BB962C8B-B14F-4D97-AF65-F5344CB8AC3E}">
-        <p14:creationId xmlns:p14="http://schemas.microsoft.com/office/powerpoint/2010/main" val="3138156744"/>
+        <p14:creationId xmlns:p14="http://schemas.microsoft.com/office/powerpoint/2010/main" val="1372311835"/>
       </p:ext>
     </p:extLst>
   </p:cSld>
@@ -5469,7 +5019,7 @@
           <a:p>
             <a:r>
               <a:rPr lang="en-US" dirty="0" smtClean="0"/>
-              <a:t>Proposed method</a:t>
+              <a:t>Future work</a:t>
             </a:r>
             <a:endParaRPr lang="en-SG" dirty="0"/>
           </a:p>
@@ -5491,54 +5041,40 @@
           <a:lstStyle/>
           <a:p>
             <a:r>
+              <a:rPr lang="en-US" dirty="0" smtClean="0"/>
+              <a:t>Implement </a:t>
+            </a:r>
+            <a:r>
+              <a:rPr lang="en-US" dirty="0" smtClean="0"/>
+              <a:t>a GUI to display the changing traffic </a:t>
+            </a:r>
+            <a:r>
+              <a:rPr lang="en-US" dirty="0" smtClean="0"/>
+              <a:t>conditions</a:t>
+            </a:r>
+          </a:p>
+          <a:p>
+            <a:r>
               <a:rPr lang="en-US" dirty="0"/>
-              <a:t>We can get around this problem using the following modifications:</a:t>
-            </a:r>
-          </a:p>
-          <a:p>
-            <a:pPr lvl="1"/>
-            <a:r>
-              <a:rPr lang="en-US" dirty="0">
-                <a:solidFill>
-                  <a:schemeClr val="tx1"/>
-                </a:solidFill>
-              </a:rPr>
-              <a:t> Optimize traffic over a long period of time and use the solution obtained to generate solutions for later periods of similar congestion</a:t>
-            </a:r>
-          </a:p>
-          <a:p>
-            <a:pPr lvl="1"/>
-            <a:r>
-              <a:rPr lang="en-US" dirty="0">
-                <a:solidFill>
-                  <a:schemeClr val="tx1"/>
-                </a:solidFill>
-              </a:rPr>
-              <a:t>Optimize traffic over a long period of time and for later similar congestions, change the genetic algorithm to try to mimic the optimal density </a:t>
-            </a:r>
-            <a:r>
-              <a:rPr lang="en-US" dirty="0" smtClean="0">
-                <a:solidFill>
-                  <a:schemeClr val="tx1"/>
-                </a:solidFill>
-              </a:rPr>
-              <a:t>points at small intervals </a:t>
-            </a:r>
-            <a:r>
-              <a:rPr lang="en-US" dirty="0">
-                <a:solidFill>
-                  <a:schemeClr val="tx1"/>
-                </a:solidFill>
-              </a:rPr>
-              <a:t>obtained from the first </a:t>
-            </a:r>
-            <a:endParaRPr lang="en-SG" dirty="0">
-              <a:solidFill>
-                <a:schemeClr val="tx1"/>
-              </a:solidFill>
-            </a:endParaRPr>
-          </a:p>
-          <a:p>
+              <a:t>Identify the degree by which traffic conditions vary to replicate it in the simulations</a:t>
+            </a:r>
+          </a:p>
+          <a:p>
+            <a:r>
+              <a:rPr lang="en-US" dirty="0"/>
+              <a:t>Alter the simulation based on traffic data, both for initialization and real time modifications.</a:t>
+            </a:r>
+            <a:endParaRPr lang="en-SG" dirty="0"/>
+          </a:p>
+          <a:p>
+            <a:r>
+              <a:rPr lang="en-US" dirty="0"/>
+              <a:t>Test the performance of generated solutions on modified versions of simulation </a:t>
+            </a:r>
+            <a:r>
+              <a:rPr lang="en-US" dirty="0" smtClean="0"/>
+              <a:t>data</a:t>
+            </a:r>
             <a:endParaRPr lang="en-SG" dirty="0"/>
           </a:p>
         </p:txBody>
@@ -5546,7 +5082,7 @@
     </p:spTree>
     <p:extLst>
       <p:ext uri="{BB962C8B-B14F-4D97-AF65-F5344CB8AC3E}">
-        <p14:creationId xmlns:p14="http://schemas.microsoft.com/office/powerpoint/2010/main" val="4038759733"/>
+        <p14:creationId xmlns:p14="http://schemas.microsoft.com/office/powerpoint/2010/main" val="3051848099"/>
       </p:ext>
     </p:extLst>
   </p:cSld>
